--- a/01_doc/DigitalCameraPi.pptx
+++ b/01_doc/DigitalCameraPi.pptx
@@ -264,7 +264,7 @@
           <a:p>
             <a:fld id="{58E5E975-FF61-4E33-9F34-8F32DC651E4A}" type="datetimeFigureOut">
               <a:rPr kumimoji="1" lang="ja-JP" altLang="en-US" smtClean="0"/>
-              <a:t>2017/12/1</a:t>
+              <a:t>2017/12/2</a:t>
             </a:fld>
             <a:endParaRPr kumimoji="1" lang="ja-JP" altLang="en-US"/>
           </a:p>
@@ -494,7 +494,7 @@
           <a:p>
             <a:fld id="{58E5E975-FF61-4E33-9F34-8F32DC651E4A}" type="datetimeFigureOut">
               <a:rPr kumimoji="1" lang="ja-JP" altLang="en-US" smtClean="0"/>
-              <a:t>2017/12/1</a:t>
+              <a:t>2017/12/2</a:t>
             </a:fld>
             <a:endParaRPr kumimoji="1" lang="ja-JP" altLang="en-US"/>
           </a:p>
@@ -734,7 +734,7 @@
           <a:p>
             <a:fld id="{58E5E975-FF61-4E33-9F34-8F32DC651E4A}" type="datetimeFigureOut">
               <a:rPr kumimoji="1" lang="ja-JP" altLang="en-US" smtClean="0"/>
-              <a:t>2017/12/1</a:t>
+              <a:t>2017/12/2</a:t>
             </a:fld>
             <a:endParaRPr kumimoji="1" lang="ja-JP" altLang="en-US"/>
           </a:p>
@@ -938,7 +938,7 @@
           <a:p>
             <a:fld id="{2DD5872B-7991-4A00-95ED-06D285747B9C}" type="datetimeFigureOut">
               <a:rPr lang="en-CA" smtClean="0"/>
-              <a:t>2017-12-01</a:t>
+              <a:t>2017-12-02</a:t>
             </a:fld>
             <a:endParaRPr lang="en-CA"/>
           </a:p>
@@ -1108,7 +1108,7 @@
           <a:p>
             <a:fld id="{2DD5872B-7991-4A00-95ED-06D285747B9C}" type="datetimeFigureOut">
               <a:rPr lang="en-CA" smtClean="0"/>
-              <a:t>2017-12-01</a:t>
+              <a:t>2017-12-02</a:t>
             </a:fld>
             <a:endParaRPr lang="en-CA"/>
           </a:p>
@@ -1354,7 +1354,7 @@
           <a:p>
             <a:fld id="{2DD5872B-7991-4A00-95ED-06D285747B9C}" type="datetimeFigureOut">
               <a:rPr lang="en-CA" smtClean="0"/>
-              <a:t>2017-12-01</a:t>
+              <a:t>2017-12-02</a:t>
             </a:fld>
             <a:endParaRPr lang="en-CA"/>
           </a:p>
@@ -1586,7 +1586,7 @@
           <a:p>
             <a:fld id="{2DD5872B-7991-4A00-95ED-06D285747B9C}" type="datetimeFigureOut">
               <a:rPr lang="en-CA" smtClean="0"/>
-              <a:t>2017-12-01</a:t>
+              <a:t>2017-12-02</a:t>
             </a:fld>
             <a:endParaRPr lang="en-CA"/>
           </a:p>
@@ -1953,7 +1953,7 @@
           <a:p>
             <a:fld id="{2DD5872B-7991-4A00-95ED-06D285747B9C}" type="datetimeFigureOut">
               <a:rPr lang="en-CA" smtClean="0"/>
-              <a:t>2017-12-01</a:t>
+              <a:t>2017-12-02</a:t>
             </a:fld>
             <a:endParaRPr lang="en-CA"/>
           </a:p>
@@ -2071,7 +2071,7 @@
           <a:p>
             <a:fld id="{2DD5872B-7991-4A00-95ED-06D285747B9C}" type="datetimeFigureOut">
               <a:rPr lang="en-CA" smtClean="0"/>
-              <a:t>2017-12-01</a:t>
+              <a:t>2017-12-02</a:t>
             </a:fld>
             <a:endParaRPr lang="en-CA"/>
           </a:p>
@@ -2166,7 +2166,7 @@
           <a:p>
             <a:fld id="{2DD5872B-7991-4A00-95ED-06D285747B9C}" type="datetimeFigureOut">
               <a:rPr lang="en-CA" smtClean="0"/>
-              <a:t>2017-12-01</a:t>
+              <a:t>2017-12-02</a:t>
             </a:fld>
             <a:endParaRPr lang="en-CA"/>
           </a:p>
@@ -2443,7 +2443,7 @@
           <a:p>
             <a:fld id="{2DD5872B-7991-4A00-95ED-06D285747B9C}" type="datetimeFigureOut">
               <a:rPr lang="en-CA" smtClean="0"/>
-              <a:t>2017-12-01</a:t>
+              <a:t>2017-12-02</a:t>
             </a:fld>
             <a:endParaRPr lang="en-CA"/>
           </a:p>
@@ -2661,7 +2661,7 @@
           <a:p>
             <a:fld id="{58E5E975-FF61-4E33-9F34-8F32DC651E4A}" type="datetimeFigureOut">
               <a:rPr kumimoji="1" lang="ja-JP" altLang="en-US" smtClean="0"/>
-              <a:t>2017/12/1</a:t>
+              <a:t>2017/12/2</a:t>
             </a:fld>
             <a:endParaRPr kumimoji="1" lang="ja-JP" altLang="en-US"/>
           </a:p>
@@ -2926,7 +2926,7 @@
           <a:p>
             <a:fld id="{2DD5872B-7991-4A00-95ED-06D285747B9C}" type="datetimeFigureOut">
               <a:rPr lang="en-CA" smtClean="0"/>
-              <a:t>2017-12-01</a:t>
+              <a:t>2017-12-02</a:t>
             </a:fld>
             <a:endParaRPr lang="en-CA"/>
           </a:p>
@@ -3096,7 +3096,7 @@
           <a:p>
             <a:fld id="{2DD5872B-7991-4A00-95ED-06D285747B9C}" type="datetimeFigureOut">
               <a:rPr lang="en-CA" smtClean="0"/>
-              <a:t>2017-12-01</a:t>
+              <a:t>2017-12-02</a:t>
             </a:fld>
             <a:endParaRPr lang="en-CA"/>
           </a:p>
@@ -3276,7 +3276,7 @@
           <a:p>
             <a:fld id="{2DD5872B-7991-4A00-95ED-06D285747B9C}" type="datetimeFigureOut">
               <a:rPr lang="en-CA" smtClean="0"/>
-              <a:t>2017-12-01</a:t>
+              <a:t>2017-12-02</a:t>
             </a:fld>
             <a:endParaRPr lang="en-CA"/>
           </a:p>
@@ -3539,7 +3539,7 @@
           <a:p>
             <a:fld id="{58E5E975-FF61-4E33-9F34-8F32DC651E4A}" type="datetimeFigureOut">
               <a:rPr kumimoji="1" lang="ja-JP" altLang="en-US" smtClean="0"/>
-              <a:t>2017/12/1</a:t>
+              <a:t>2017/12/2</a:t>
             </a:fld>
             <a:endParaRPr kumimoji="1" lang="ja-JP" altLang="en-US"/>
           </a:p>
@@ -3868,7 +3868,7 @@
           <a:p>
             <a:fld id="{58E5E975-FF61-4E33-9F34-8F32DC651E4A}" type="datetimeFigureOut">
               <a:rPr kumimoji="1" lang="ja-JP" altLang="en-US" smtClean="0"/>
-              <a:t>2017/12/1</a:t>
+              <a:t>2017/12/2</a:t>
             </a:fld>
             <a:endParaRPr kumimoji="1" lang="ja-JP" altLang="en-US"/>
           </a:p>
@@ -4344,7 +4344,7 @@
           <a:p>
             <a:fld id="{58E5E975-FF61-4E33-9F34-8F32DC651E4A}" type="datetimeFigureOut">
               <a:rPr kumimoji="1" lang="ja-JP" altLang="en-US" smtClean="0"/>
-              <a:t>2017/12/1</a:t>
+              <a:t>2017/12/2</a:t>
             </a:fld>
             <a:endParaRPr kumimoji="1" lang="ja-JP" altLang="en-US"/>
           </a:p>
@@ -4485,7 +4485,7 @@
           <a:p>
             <a:fld id="{58E5E975-FF61-4E33-9F34-8F32DC651E4A}" type="datetimeFigureOut">
               <a:rPr kumimoji="1" lang="ja-JP" altLang="en-US" smtClean="0"/>
-              <a:t>2017/12/1</a:t>
+              <a:t>2017/12/2</a:t>
             </a:fld>
             <a:endParaRPr kumimoji="1" lang="ja-JP" altLang="en-US"/>
           </a:p>
@@ -4598,7 +4598,7 @@
           <a:p>
             <a:fld id="{58E5E975-FF61-4E33-9F34-8F32DC651E4A}" type="datetimeFigureOut">
               <a:rPr kumimoji="1" lang="ja-JP" altLang="en-US" smtClean="0"/>
-              <a:t>2017/12/1</a:t>
+              <a:t>2017/12/2</a:t>
             </a:fld>
             <a:endParaRPr kumimoji="1" lang="ja-JP" altLang="en-US"/>
           </a:p>
@@ -4941,7 +4941,7 @@
           <a:p>
             <a:fld id="{58E5E975-FF61-4E33-9F34-8F32DC651E4A}" type="datetimeFigureOut">
               <a:rPr kumimoji="1" lang="ja-JP" altLang="en-US" smtClean="0"/>
-              <a:t>2017/12/1</a:t>
+              <a:t>2017/12/2</a:t>
             </a:fld>
             <a:endParaRPr kumimoji="1" lang="ja-JP" altLang="en-US"/>
           </a:p>
@@ -5229,7 +5229,7 @@
           <a:p>
             <a:fld id="{58E5E975-FF61-4E33-9F34-8F32DC651E4A}" type="datetimeFigureOut">
               <a:rPr kumimoji="1" lang="ja-JP" altLang="en-US" smtClean="0"/>
-              <a:t>2017/12/1</a:t>
+              <a:t>2017/12/2</a:t>
             </a:fld>
             <a:endParaRPr kumimoji="1" lang="ja-JP" altLang="en-US"/>
           </a:p>
@@ -5502,7 +5502,7 @@
           <a:p>
             <a:fld id="{58E5E975-FF61-4E33-9F34-8F32DC651E4A}" type="datetimeFigureOut">
               <a:rPr kumimoji="1" lang="ja-JP" altLang="en-US" smtClean="0"/>
-              <a:t>2017/12/1</a:t>
+              <a:t>2017/12/2</a:t>
             </a:fld>
             <a:endParaRPr kumimoji="1" lang="ja-JP" altLang="en-US"/>
           </a:p>
@@ -6054,7 +6054,7 @@
           <a:p>
             <a:fld id="{2DD5872B-7991-4A00-95ED-06D285747B9C}" type="datetimeFigureOut">
               <a:rPr lang="en-CA" smtClean="0"/>
-              <a:t>2017-12-01</a:t>
+              <a:t>2017-12-02</a:t>
             </a:fld>
             <a:endParaRPr lang="en-CA"/>
           </a:p>
@@ -6645,7 +6645,7 @@
         </p:nvSpPr>
         <p:spPr>
           <a:xfrm>
-            <a:off x="4619200" y="1202779"/>
+            <a:off x="3718741" y="1165169"/>
             <a:ext cx="654345" cy="369332"/>
           </a:xfrm>
           <a:prstGeom prst="rect">
@@ -6736,7 +6736,7 @@
         </p:nvSpPr>
         <p:spPr>
           <a:xfrm flipH="1">
-            <a:off x="4665686" y="2160403"/>
+            <a:off x="3765227" y="2122793"/>
             <a:ext cx="561372" cy="369332"/>
           </a:xfrm>
           <a:prstGeom prst="rect">
@@ -6827,7 +6827,7 @@
         </p:nvSpPr>
         <p:spPr>
           <a:xfrm>
-            <a:off x="3079338" y="3198628"/>
+            <a:off x="2178879" y="3161018"/>
             <a:ext cx="1237903" cy="369332"/>
           </a:xfrm>
           <a:prstGeom prst="rect">
@@ -6932,7 +6932,7 @@
         </p:nvSpPr>
         <p:spPr>
           <a:xfrm>
-            <a:off x="4559791" y="3198628"/>
+            <a:off x="3659332" y="3161018"/>
             <a:ext cx="1334533" cy="369332"/>
           </a:xfrm>
           <a:prstGeom prst="rect">
@@ -7328,7 +7328,7 @@
         </p:nvCxnSpPr>
         <p:spPr>
           <a:xfrm flipV="1">
-            <a:off x="4946372" y="1572111"/>
+            <a:off x="4045913" y="1534501"/>
             <a:ext cx="1" cy="588292"/>
           </a:xfrm>
           <a:prstGeom prst="straightConnector1">
@@ -7375,7 +7375,7 @@
         </p:nvCxnSpPr>
         <p:spPr>
           <a:xfrm flipV="1">
-            <a:off x="3698290" y="2529735"/>
+            <a:off x="2797831" y="2492125"/>
             <a:ext cx="1248082" cy="668893"/>
           </a:xfrm>
           <a:prstGeom prst="straightConnector1">
@@ -7422,7 +7422,7 @@
         </p:nvCxnSpPr>
         <p:spPr>
           <a:xfrm flipH="1" flipV="1">
-            <a:off x="4946372" y="2529735"/>
+            <a:off x="4045913" y="2492125"/>
             <a:ext cx="280686" cy="668893"/>
           </a:xfrm>
           <a:prstGeom prst="straightConnector1">
@@ -7469,8 +7469,8 @@
         </p:nvCxnSpPr>
         <p:spPr>
           <a:xfrm flipV="1">
-            <a:off x="2740830" y="3567960"/>
-            <a:ext cx="957460" cy="981611"/>
+            <a:off x="2740830" y="3530350"/>
+            <a:ext cx="57001" cy="1019221"/>
           </a:xfrm>
           <a:prstGeom prst="straightConnector1">
             <a:avLst/>
@@ -7515,9 +7515,9 @@
           <p:nvPr/>
         </p:nvCxnSpPr>
         <p:spPr>
-          <a:xfrm flipV="1">
-            <a:off x="4997877" y="3567960"/>
-            <a:ext cx="229181" cy="985471"/>
+          <a:xfrm flipH="1" flipV="1">
+            <a:off x="4326599" y="3530350"/>
+            <a:ext cx="671278" cy="1023081"/>
           </a:xfrm>
           <a:prstGeom prst="straightConnector1">
             <a:avLst/>
@@ -7556,15 +7556,14 @@
           </p:cNvPr>
           <p:cNvCxnSpPr>
             <a:cxnSpLocks/>
-            <a:stCxn id="32" idx="0"/>
             <a:endCxn id="27" idx="1"/>
           </p:cNvCxnSpPr>
           <p:nvPr/>
         </p:nvCxnSpPr>
         <p:spPr>
           <a:xfrm flipH="1" flipV="1">
-            <a:off x="5227058" y="2345069"/>
-            <a:ext cx="2038409" cy="2205472"/>
+            <a:off x="4326599" y="2307459"/>
+            <a:ext cx="2136858" cy="2242112"/>
           </a:xfrm>
           <a:prstGeom prst="straightConnector1">
             <a:avLst/>
@@ -7610,8 +7609,8 @@
         </p:nvCxnSpPr>
         <p:spPr>
           <a:xfrm flipH="1" flipV="1">
-            <a:off x="3698290" y="3567960"/>
-            <a:ext cx="1299587" cy="985471"/>
+            <a:off x="2797831" y="3530350"/>
+            <a:ext cx="2200046" cy="1023081"/>
           </a:xfrm>
           <a:prstGeom prst="straightConnector1">
             <a:avLst/>
@@ -7653,7 +7652,7 @@
         </p:nvSpPr>
         <p:spPr>
           <a:xfrm>
-            <a:off x="4875882" y="2488913"/>
+            <a:off x="3975423" y="2451303"/>
             <a:ext cx="153255" cy="153255"/>
           </a:xfrm>
           <a:prstGeom prst="diamond">
@@ -8026,7 +8025,7 @@
         </p:nvSpPr>
         <p:spPr>
           <a:xfrm>
-            <a:off x="7807187" y="1242807"/>
+            <a:off x="7817516" y="1242807"/>
             <a:ext cx="1283941" cy="307777"/>
           </a:xfrm>
           <a:prstGeom prst="rect">
@@ -8142,7 +8141,7 @@
         </p:nvSpPr>
         <p:spPr>
           <a:xfrm>
-            <a:off x="7309279" y="1587468"/>
+            <a:off x="7277047" y="1587468"/>
             <a:ext cx="1824410" cy="307777"/>
           </a:xfrm>
           <a:prstGeom prst="rect">
@@ -8533,7 +8532,7 @@
         </p:nvSpPr>
         <p:spPr>
           <a:xfrm>
-            <a:off x="7818915" y="2337633"/>
+            <a:off x="7817516" y="2337633"/>
             <a:ext cx="1283941" cy="307777"/>
           </a:xfrm>
           <a:prstGeom prst="rect">
@@ -8567,7 +8566,7 @@
         </p:nvSpPr>
         <p:spPr>
           <a:xfrm>
-            <a:off x="7321007" y="2682294"/>
+            <a:off x="7277047" y="2682294"/>
             <a:ext cx="1824410" cy="307777"/>
           </a:xfrm>
           <a:prstGeom prst="rect">
@@ -8920,7 +8919,7 @@
         </p:nvSpPr>
         <p:spPr>
           <a:xfrm>
-            <a:off x="7981734" y="3567284"/>
+            <a:off x="8020007" y="3567284"/>
             <a:ext cx="1081450" cy="307777"/>
           </a:xfrm>
           <a:prstGeom prst="rect">
@@ -9012,6 +9011,187 @@
           </a:fontRef>
         </p:style>
       </p:cxnSp>
+      <p:sp>
+        <p:nvSpPr>
+          <p:cNvPr id="6" name="正方形/長方形 5">
+            <a:extLst>
+              <a:ext uri="{FF2B5EF4-FFF2-40B4-BE49-F238E27FC236}">
+                <a16:creationId xmlns:a16="http://schemas.microsoft.com/office/drawing/2014/main" id="{7624937E-749E-4FC6-918A-B18A602B8BF3}"/>
+              </a:ext>
+            </a:extLst>
+          </p:cNvPr>
+          <p:cNvSpPr/>
+          <p:nvPr/>
+        </p:nvSpPr>
+        <p:spPr>
+          <a:xfrm>
+            <a:off x="7213751" y="1165169"/>
+            <a:ext cx="1815665" cy="2709892"/>
+          </a:xfrm>
+          <a:prstGeom prst="rect">
+            <a:avLst/>
+          </a:prstGeom>
+          <a:noFill/>
+          <a:ln w="28575">
+            <a:prstDash val="sysDash"/>
+          </a:ln>
+        </p:spPr>
+        <p:style>
+          <a:lnRef idx="2">
+            <a:schemeClr val="accent1">
+              <a:shade val="50000"/>
+            </a:schemeClr>
+          </a:lnRef>
+          <a:fillRef idx="1">
+            <a:schemeClr val="accent1"/>
+          </a:fillRef>
+          <a:effectRef idx="0">
+            <a:schemeClr val="accent1"/>
+          </a:effectRef>
+          <a:fontRef idx="minor">
+            <a:schemeClr val="lt1"/>
+          </a:fontRef>
+        </p:style>
+        <p:txBody>
+          <a:bodyPr rtlCol="0" anchor="ctr"/>
+          <a:lstStyle/>
+          <a:p>
+            <a:pPr algn="ctr"/>
+            <a:endParaRPr kumimoji="1" lang="ja-JP" altLang="en-US" dirty="0"/>
+          </a:p>
+        </p:txBody>
+      </p:sp>
+      <p:sp>
+        <p:nvSpPr>
+          <p:cNvPr id="9" name="矢印: 折線 8">
+            <a:extLst>
+              <a:ext uri="{FF2B5EF4-FFF2-40B4-BE49-F238E27FC236}">
+                <a16:creationId xmlns:a16="http://schemas.microsoft.com/office/drawing/2014/main" id="{3F6469E3-F233-40F8-84A8-3555A78D9AF7}"/>
+              </a:ext>
+            </a:extLst>
+          </p:cNvPr>
+          <p:cNvSpPr/>
+          <p:nvPr/>
+        </p:nvSpPr>
+        <p:spPr>
+          <a:xfrm>
+            <a:off x="6471469" y="2509582"/>
+            <a:ext cx="659255" cy="1495968"/>
+          </a:xfrm>
+          <a:prstGeom prst="bentArrow">
+            <a:avLst/>
+          </a:prstGeom>
+        </p:spPr>
+        <p:style>
+          <a:lnRef idx="2">
+            <a:schemeClr val="accent1">
+              <a:shade val="50000"/>
+            </a:schemeClr>
+          </a:lnRef>
+          <a:fillRef idx="1">
+            <a:schemeClr val="accent1"/>
+          </a:fillRef>
+          <a:effectRef idx="0">
+            <a:schemeClr val="accent1"/>
+          </a:effectRef>
+          <a:fontRef idx="minor">
+            <a:schemeClr val="lt1"/>
+          </a:fontRef>
+        </p:style>
+        <p:txBody>
+          <a:bodyPr rtlCol="0" anchor="ctr"/>
+          <a:lstStyle/>
+          <a:p>
+            <a:pPr algn="ctr"/>
+            <a:endParaRPr kumimoji="1" lang="ja-JP" altLang="en-US">
+              <a:solidFill>
+                <a:schemeClr val="tx1"/>
+              </a:solidFill>
+            </a:endParaRPr>
+          </a:p>
+        </p:txBody>
+      </p:sp>
+      <p:sp>
+        <p:nvSpPr>
+          <p:cNvPr id="47" name="Rectangle 19">
+            <a:extLst>
+              <a:ext uri="{FF2B5EF4-FFF2-40B4-BE49-F238E27FC236}">
+                <a16:creationId xmlns:a16="http://schemas.microsoft.com/office/drawing/2014/main" id="{21BF788E-DC14-4FC1-AE35-9F19D095D41D}"/>
+              </a:ext>
+            </a:extLst>
+          </p:cNvPr>
+          <p:cNvSpPr/>
+          <p:nvPr/>
+        </p:nvSpPr>
+        <p:spPr>
+          <a:xfrm>
+            <a:off x="5746021" y="1648260"/>
+            <a:ext cx="1283428" cy="1815882"/>
+          </a:xfrm>
+          <a:prstGeom prst="rect">
+            <a:avLst/>
+          </a:prstGeom>
+        </p:spPr>
+        <p:txBody>
+          <a:bodyPr wrap="none">
+            <a:spAutoFit/>
+          </a:bodyPr>
+          <a:lstStyle/>
+          <a:p>
+            <a:r>
+              <a:rPr lang="en-US" altLang="ja-JP" sz="1400" dirty="0"/>
+              <a:t>System calls to</a:t>
+            </a:r>
+          </a:p>
+          <a:p>
+            <a:r>
+              <a:rPr lang="en-US" altLang="ja-JP" sz="1400" dirty="0"/>
+              <a:t>access devices:</a:t>
+            </a:r>
+          </a:p>
+          <a:p>
+            <a:r>
+              <a:rPr lang="en-US" altLang="ja-JP" sz="1400" dirty="0"/>
+              <a:t> - open</a:t>
+            </a:r>
+          </a:p>
+          <a:p>
+            <a:r>
+              <a:rPr lang="en-US" altLang="ja-JP" sz="1400" dirty="0"/>
+              <a:t> - close</a:t>
+            </a:r>
+          </a:p>
+          <a:p>
+            <a:r>
+              <a:rPr lang="en-US" altLang="ja-JP" sz="1400" dirty="0"/>
+              <a:t> - read</a:t>
+            </a:r>
+          </a:p>
+          <a:p>
+            <a:r>
+              <a:rPr lang="en-US" altLang="ja-JP" sz="1400" dirty="0"/>
+              <a:t> - write</a:t>
+            </a:r>
+          </a:p>
+          <a:p>
+            <a:r>
+              <a:rPr lang="en-US" altLang="ja-JP" sz="1400" dirty="0"/>
+              <a:t> - </a:t>
+            </a:r>
+            <a:r>
+              <a:rPr lang="en-US" altLang="ja-JP" sz="1400" dirty="0" err="1"/>
+              <a:t>ioctl</a:t>
+            </a:r>
+            <a:endParaRPr lang="en-US" altLang="ja-JP" sz="1400" dirty="0"/>
+          </a:p>
+          <a:p>
+            <a:r>
+              <a:rPr lang="en-US" altLang="ja-JP" sz="1400" dirty="0"/>
+              <a:t> - select</a:t>
+            </a:r>
+          </a:p>
+        </p:txBody>
+      </p:sp>
     </p:spTree>
     <p:extLst>
       <p:ext uri="{BB962C8B-B14F-4D97-AF65-F5344CB8AC3E}">
